--- a/Livraison/Soutenance.pptx
+++ b/Livraison/Soutenance.pptx
@@ -1393,6 +1393,13 @@
         </dgm:presLayoutVars>
       </dgm:prSet>
       <dgm:spPr/>
+      <dgm:t>
+        <a:bodyPr/>
+        <a:lstStyle/>
+        <a:p>
+          <a:endParaRPr lang="fr-FR"/>
+        </a:p>
+      </dgm:t>
     </dgm:pt>
     <dgm:pt modelId="{CED9A5A6-E4AE-2643-984B-B0CE5EE4A9B0}" type="pres">
       <dgm:prSet presAssocID="{5E205D7E-3BBF-E544-A965-618294611F95}" presName="hierRoot1" presStyleCnt="0">
@@ -1413,6 +1420,13 @@
         </dgm:presLayoutVars>
       </dgm:prSet>
       <dgm:spPr/>
+      <dgm:t>
+        <a:bodyPr/>
+        <a:lstStyle/>
+        <a:p>
+          <a:endParaRPr lang="fr-FR"/>
+        </a:p>
+      </dgm:t>
     </dgm:pt>
     <dgm:pt modelId="{36EB61A7-354E-F144-ABFE-3F7EFE46652D}" type="pres">
       <dgm:prSet presAssocID="{5E205D7E-3BBF-E544-A965-618294611F95}" presName="topArc1" presStyleLbl="parChTrans1D1" presStyleIdx="0" presStyleCnt="10"/>
@@ -1425,6 +1439,13 @@
     <dgm:pt modelId="{7253CCF0-E6A7-BE4E-A882-B96D6AFE97C4}" type="pres">
       <dgm:prSet presAssocID="{5E205D7E-3BBF-E544-A965-618294611F95}" presName="topConnNode1" presStyleLbl="node1" presStyleIdx="0" presStyleCnt="0"/>
       <dgm:spPr/>
+      <dgm:t>
+        <a:bodyPr/>
+        <a:lstStyle/>
+        <a:p>
+          <a:endParaRPr lang="fr-FR"/>
+        </a:p>
+      </dgm:t>
     </dgm:pt>
     <dgm:pt modelId="{12AAAF49-AB8F-2242-8174-74B9B847F68C}" type="pres">
       <dgm:prSet presAssocID="{5E205D7E-3BBF-E544-A965-618294611F95}" presName="hierChild2" presStyleCnt="0"/>
@@ -1433,6 +1454,13 @@
     <dgm:pt modelId="{2F287410-B48F-4A4F-B444-E80BB2D8FF58}" type="pres">
       <dgm:prSet presAssocID="{FC501FD7-BD25-1A4F-AA47-87D9B3DC79DA}" presName="Name28" presStyleLbl="parChTrans1D2" presStyleIdx="0" presStyleCnt="4"/>
       <dgm:spPr/>
+      <dgm:t>
+        <a:bodyPr/>
+        <a:lstStyle/>
+        <a:p>
+          <a:endParaRPr lang="fr-FR"/>
+        </a:p>
+      </dgm:t>
     </dgm:pt>
     <dgm:pt modelId="{4D1229E6-4C61-5F48-BDF4-4511587111E2}" type="pres">
       <dgm:prSet presAssocID="{037C19A2-B8A8-3547-AC06-F08D118A7EF7}" presName="hierRoot2" presStyleCnt="0">
@@ -1472,6 +1500,13 @@
     <dgm:pt modelId="{7C13A4E7-ED00-0440-A3C4-F304B22C171E}" type="pres">
       <dgm:prSet presAssocID="{037C19A2-B8A8-3547-AC06-F08D118A7EF7}" presName="topConnNode2" presStyleLbl="node2" presStyleIdx="0" presStyleCnt="0"/>
       <dgm:spPr/>
+      <dgm:t>
+        <a:bodyPr/>
+        <a:lstStyle/>
+        <a:p>
+          <a:endParaRPr lang="fr-FR"/>
+        </a:p>
+      </dgm:t>
     </dgm:pt>
     <dgm:pt modelId="{5A0E355C-A5D9-1C40-86E0-BF94338886F8}" type="pres">
       <dgm:prSet presAssocID="{037C19A2-B8A8-3547-AC06-F08D118A7EF7}" presName="hierChild4" presStyleCnt="0"/>
@@ -1484,6 +1519,13 @@
     <dgm:pt modelId="{9FC494F8-2E92-A34A-BA95-C6E9CE78AFEB}" type="pres">
       <dgm:prSet presAssocID="{7C76F18B-630B-724A-A9C9-DD4CD3797B7C}" presName="Name28" presStyleLbl="parChTrans1D2" presStyleIdx="1" presStyleCnt="4"/>
       <dgm:spPr/>
+      <dgm:t>
+        <a:bodyPr/>
+        <a:lstStyle/>
+        <a:p>
+          <a:endParaRPr lang="fr-FR"/>
+        </a:p>
+      </dgm:t>
     </dgm:pt>
     <dgm:pt modelId="{48166120-FF29-FA44-9890-E184D9735078}" type="pres">
       <dgm:prSet presAssocID="{BD7E534F-5B4C-3647-8526-FE087298608C}" presName="hierRoot2" presStyleCnt="0">
@@ -1523,6 +1565,13 @@
     <dgm:pt modelId="{FA9E9DFB-C2CA-3D43-BFC7-FE3CC28C597B}" type="pres">
       <dgm:prSet presAssocID="{BD7E534F-5B4C-3647-8526-FE087298608C}" presName="topConnNode2" presStyleLbl="node2" presStyleIdx="0" presStyleCnt="0"/>
       <dgm:spPr/>
+      <dgm:t>
+        <a:bodyPr/>
+        <a:lstStyle/>
+        <a:p>
+          <a:endParaRPr lang="fr-FR"/>
+        </a:p>
+      </dgm:t>
     </dgm:pt>
     <dgm:pt modelId="{91564A36-F9AB-9245-8B80-D703D786961D}" type="pres">
       <dgm:prSet presAssocID="{BD7E534F-5B4C-3647-8526-FE087298608C}" presName="hierChild4" presStyleCnt="0"/>
@@ -1535,6 +1584,13 @@
     <dgm:pt modelId="{5CFF6D4A-97C4-364F-845D-414053E41ED8}" type="pres">
       <dgm:prSet presAssocID="{2F53A147-6BDF-3743-A9F4-810DE07A0D8D}" presName="Name28" presStyleLbl="parChTrans1D2" presStyleIdx="2" presStyleCnt="4"/>
       <dgm:spPr/>
+      <dgm:t>
+        <a:bodyPr/>
+        <a:lstStyle/>
+        <a:p>
+          <a:endParaRPr lang="fr-FR"/>
+        </a:p>
+      </dgm:t>
     </dgm:pt>
     <dgm:pt modelId="{BB3E3487-5A58-CC46-9A91-C500E4125649}" type="pres">
       <dgm:prSet presAssocID="{16017282-3AC7-574E-B8F7-437541D6A792}" presName="hierRoot2" presStyleCnt="0">
@@ -1574,6 +1630,13 @@
     <dgm:pt modelId="{CC2FD34D-8ABD-324D-8E00-EC7BA7B58555}" type="pres">
       <dgm:prSet presAssocID="{16017282-3AC7-574E-B8F7-437541D6A792}" presName="topConnNode2" presStyleLbl="node2" presStyleIdx="0" presStyleCnt="0"/>
       <dgm:spPr/>
+      <dgm:t>
+        <a:bodyPr/>
+        <a:lstStyle/>
+        <a:p>
+          <a:endParaRPr lang="fr-FR"/>
+        </a:p>
+      </dgm:t>
     </dgm:pt>
     <dgm:pt modelId="{A2DE3350-BCA0-F947-BF4C-8B2BE7C7C8C9}" type="pres">
       <dgm:prSet presAssocID="{16017282-3AC7-574E-B8F7-437541D6A792}" presName="hierChild4" presStyleCnt="0"/>
@@ -1586,6 +1649,13 @@
     <dgm:pt modelId="{6973D813-4ED8-B44F-9398-85FEF5CAE088}" type="pres">
       <dgm:prSet presAssocID="{AA7A049A-345E-C744-B6DC-0888DB772F35}" presName="Name28" presStyleLbl="parChTrans1D2" presStyleIdx="3" presStyleCnt="4"/>
       <dgm:spPr/>
+      <dgm:t>
+        <a:bodyPr/>
+        <a:lstStyle/>
+        <a:p>
+          <a:endParaRPr lang="fr-FR"/>
+        </a:p>
+      </dgm:t>
     </dgm:pt>
     <dgm:pt modelId="{330E5BFF-4372-C44B-887F-6334D1C352BD}" type="pres">
       <dgm:prSet presAssocID="{064CE57B-2C23-804A-AF3D-D36E4B90B4C3}" presName="hierRoot2" presStyleCnt="0">
@@ -1625,6 +1695,13 @@
     <dgm:pt modelId="{0F2EEEDA-6790-1949-960B-0673CE7CFEF7}" type="pres">
       <dgm:prSet presAssocID="{064CE57B-2C23-804A-AF3D-D36E4B90B4C3}" presName="topConnNode2" presStyleLbl="node2" presStyleIdx="0" presStyleCnt="0"/>
       <dgm:spPr/>
+      <dgm:t>
+        <a:bodyPr/>
+        <a:lstStyle/>
+        <a:p>
+          <a:endParaRPr lang="fr-FR"/>
+        </a:p>
+      </dgm:t>
     </dgm:pt>
     <dgm:pt modelId="{AAB175AE-86CB-DC41-A110-815AEF6AC54F}" type="pres">
       <dgm:prSet presAssocID="{064CE57B-2C23-804A-AF3D-D36E4B90B4C3}" presName="hierChild4" presStyleCnt="0"/>
@@ -1640,25 +1717,25 @@
     </dgm:pt>
   </dgm:ptLst>
   <dgm:cxnLst>
+    <dgm:cxn modelId="{1820EED0-C120-AE46-8D76-45C7B08168D1}" type="presOf" srcId="{064CE57B-2C23-804A-AF3D-D36E4B90B4C3}" destId="{0F2EEEDA-6790-1949-960B-0673CE7CFEF7}" srcOrd="1" destOrd="0" presId="urn:microsoft.com/office/officeart/2008/layout/HalfCircleOrganizationChart"/>
+    <dgm:cxn modelId="{ED866DC8-7B31-FE4E-B9C0-A50F2A2CFD70}" type="presOf" srcId="{5E205D7E-3BBF-E544-A965-618294611F95}" destId="{7253CCF0-E6A7-BE4E-A882-B96D6AFE97C4}" srcOrd="1" destOrd="0" presId="urn:microsoft.com/office/officeart/2008/layout/HalfCircleOrganizationChart"/>
+    <dgm:cxn modelId="{7C5905DC-F7A7-DB48-9127-7FF1B13BAE33}" type="presOf" srcId="{7C76F18B-630B-724A-A9C9-DD4CD3797B7C}" destId="{9FC494F8-2E92-A34A-BA95-C6E9CE78AFEB}" srcOrd="0" destOrd="0" presId="urn:microsoft.com/office/officeart/2008/layout/HalfCircleOrganizationChart"/>
+    <dgm:cxn modelId="{A94AF83A-81AF-1D49-8BA8-FA7EBC9D16EF}" type="presOf" srcId="{BD7E534F-5B4C-3647-8526-FE087298608C}" destId="{BC90FA75-E86C-834C-BC04-5C407562D421}" srcOrd="0" destOrd="0" presId="urn:microsoft.com/office/officeart/2008/layout/HalfCircleOrganizationChart"/>
+    <dgm:cxn modelId="{E3287F52-4E2B-CF47-A5C3-B1694854B5F7}" type="presOf" srcId="{2F53A147-6BDF-3743-A9F4-810DE07A0D8D}" destId="{5CFF6D4A-97C4-364F-845D-414053E41ED8}" srcOrd="0" destOrd="0" presId="urn:microsoft.com/office/officeart/2008/layout/HalfCircleOrganizationChart"/>
+    <dgm:cxn modelId="{A69C71FE-0E14-EA4B-B285-2DC68E2D5D9B}" type="presOf" srcId="{16017282-3AC7-574E-B8F7-437541D6A792}" destId="{BC3E435D-7CC7-5449-855F-F0EDEDF83078}" srcOrd="0" destOrd="0" presId="urn:microsoft.com/office/officeart/2008/layout/HalfCircleOrganizationChart"/>
+    <dgm:cxn modelId="{068B0449-BA3C-8D4E-919B-49C654BE4BF1}" type="presOf" srcId="{5E205D7E-3BBF-E544-A965-618294611F95}" destId="{A9A51220-AADA-7C47-85E6-33947CCBD4EF}" srcOrd="0" destOrd="0" presId="urn:microsoft.com/office/officeart/2008/layout/HalfCircleOrganizationChart"/>
+    <dgm:cxn modelId="{0593A9FE-777C-E547-B1D3-5B32EE26868B}" type="presOf" srcId="{037C19A2-B8A8-3547-AC06-F08D118A7EF7}" destId="{7C13A4E7-ED00-0440-A3C4-F304B22C171E}" srcOrd="1" destOrd="0" presId="urn:microsoft.com/office/officeart/2008/layout/HalfCircleOrganizationChart"/>
     <dgm:cxn modelId="{06549412-41A8-9941-BC8D-05D4AD4853D8}" type="presOf" srcId="{037C19A2-B8A8-3547-AC06-F08D118A7EF7}" destId="{8CF08F28-97A5-7845-B1E9-C47ECDDD0EB0}" srcOrd="0" destOrd="0" presId="urn:microsoft.com/office/officeart/2008/layout/HalfCircleOrganizationChart"/>
+    <dgm:cxn modelId="{3A77E05F-AB7A-3144-BCFD-C16CEF7D17D8}" srcId="{5E205D7E-3BBF-E544-A965-618294611F95}" destId="{16017282-3AC7-574E-B8F7-437541D6A792}" srcOrd="2" destOrd="0" parTransId="{2F53A147-6BDF-3743-A9F4-810DE07A0D8D}" sibTransId="{27D9C0B6-083C-B349-877A-71E9F090BDE8}"/>
+    <dgm:cxn modelId="{6819A25B-C5E5-B548-ABB1-4C43AEEF8217}" srcId="{24E96427-FB9E-E145-9074-24CE95D41A74}" destId="{5E205D7E-3BBF-E544-A965-618294611F95}" srcOrd="0" destOrd="0" parTransId="{DC47578D-60FE-5D4E-A7CB-8D4C02276526}" sibTransId="{DF4047AF-3E9A-4E45-80CB-A533C2865397}"/>
+    <dgm:cxn modelId="{738CFC48-337D-8647-9478-749A3225D7D7}" srcId="{5E205D7E-3BBF-E544-A965-618294611F95}" destId="{064CE57B-2C23-804A-AF3D-D36E4B90B4C3}" srcOrd="3" destOrd="0" parTransId="{AA7A049A-345E-C744-B6DC-0888DB772F35}" sibTransId="{AC0B85BC-B0B7-D048-B2BA-E53E93792047}"/>
     <dgm:cxn modelId="{A90ADA08-C9B2-A642-BA2C-B6D9AF699198}" type="presOf" srcId="{BD7E534F-5B4C-3647-8526-FE087298608C}" destId="{FA9E9DFB-C2CA-3D43-BFC7-FE3CC28C597B}" srcOrd="1" destOrd="0" presId="urn:microsoft.com/office/officeart/2008/layout/HalfCircleOrganizationChart"/>
-    <dgm:cxn modelId="{A94AF83A-81AF-1D49-8BA8-FA7EBC9D16EF}" type="presOf" srcId="{BD7E534F-5B4C-3647-8526-FE087298608C}" destId="{BC90FA75-E86C-834C-BC04-5C407562D421}" srcOrd="0" destOrd="0" presId="urn:microsoft.com/office/officeart/2008/layout/HalfCircleOrganizationChart"/>
+    <dgm:cxn modelId="{39CA842A-41FD-E440-991B-CD9596A1A215}" srcId="{5E205D7E-3BBF-E544-A965-618294611F95}" destId="{BD7E534F-5B4C-3647-8526-FE087298608C}" srcOrd="1" destOrd="0" parTransId="{7C76F18B-630B-724A-A9C9-DD4CD3797B7C}" sibTransId="{F1CE8154-EB53-C144-9543-8035FD2DA526}"/>
+    <dgm:cxn modelId="{AD3E4119-AE42-684E-A31F-001FDB87B891}" type="presOf" srcId="{24E96427-FB9E-E145-9074-24CE95D41A74}" destId="{42AB0DD9-9412-794E-8289-CA664DEDE33B}" srcOrd="0" destOrd="0" presId="urn:microsoft.com/office/officeart/2008/layout/HalfCircleOrganizationChart"/>
+    <dgm:cxn modelId="{33CAA52F-6432-B74E-8CC1-A31FBA77984F}" srcId="{5E205D7E-3BBF-E544-A965-618294611F95}" destId="{037C19A2-B8A8-3547-AC06-F08D118A7EF7}" srcOrd="0" destOrd="0" parTransId="{FC501FD7-BD25-1A4F-AA47-87D9B3DC79DA}" sibTransId="{EB99F8F5-9756-9046-BCC0-540CA66A3383}"/>
     <dgm:cxn modelId="{125BA326-7D57-1445-9AC6-5AA1C3A7E9C8}" type="presOf" srcId="{064CE57B-2C23-804A-AF3D-D36E4B90B4C3}" destId="{28F566DD-A6CC-6742-87B6-510D75C13F1F}" srcOrd="0" destOrd="0" presId="urn:microsoft.com/office/officeart/2008/layout/HalfCircleOrganizationChart"/>
-    <dgm:cxn modelId="{ED866DC8-7B31-FE4E-B9C0-A50F2A2CFD70}" type="presOf" srcId="{5E205D7E-3BBF-E544-A965-618294611F95}" destId="{7253CCF0-E6A7-BE4E-A882-B96D6AFE97C4}" srcOrd="1" destOrd="0" presId="urn:microsoft.com/office/officeart/2008/layout/HalfCircleOrganizationChart"/>
+    <dgm:cxn modelId="{669907CD-393E-4540-95AF-1E85460E9FFF}" type="presOf" srcId="{AA7A049A-345E-C744-B6DC-0888DB772F35}" destId="{6973D813-4ED8-B44F-9398-85FEF5CAE088}" srcOrd="0" destOrd="0" presId="urn:microsoft.com/office/officeart/2008/layout/HalfCircleOrganizationChart"/>
     <dgm:cxn modelId="{F9A37A7E-4BD9-164C-823B-A2A448ECA909}" type="presOf" srcId="{FC501FD7-BD25-1A4F-AA47-87D9B3DC79DA}" destId="{2F287410-B48F-4A4F-B444-E80BB2D8FF58}" srcOrd="0" destOrd="0" presId="urn:microsoft.com/office/officeart/2008/layout/HalfCircleOrganizationChart"/>
-    <dgm:cxn modelId="{1820EED0-C120-AE46-8D76-45C7B08168D1}" type="presOf" srcId="{064CE57B-2C23-804A-AF3D-D36E4B90B4C3}" destId="{0F2EEEDA-6790-1949-960B-0673CE7CFEF7}" srcOrd="1" destOrd="0" presId="urn:microsoft.com/office/officeart/2008/layout/HalfCircleOrganizationChart"/>
-    <dgm:cxn modelId="{068B0449-BA3C-8D4E-919B-49C654BE4BF1}" type="presOf" srcId="{5E205D7E-3BBF-E544-A965-618294611F95}" destId="{A9A51220-AADA-7C47-85E6-33947CCBD4EF}" srcOrd="0" destOrd="0" presId="urn:microsoft.com/office/officeart/2008/layout/HalfCircleOrganizationChart"/>
-    <dgm:cxn modelId="{7C5905DC-F7A7-DB48-9127-7FF1B13BAE33}" type="presOf" srcId="{7C76F18B-630B-724A-A9C9-DD4CD3797B7C}" destId="{9FC494F8-2E92-A34A-BA95-C6E9CE78AFEB}" srcOrd="0" destOrd="0" presId="urn:microsoft.com/office/officeart/2008/layout/HalfCircleOrganizationChart"/>
-    <dgm:cxn modelId="{A69C71FE-0E14-EA4B-B285-2DC68E2D5D9B}" type="presOf" srcId="{16017282-3AC7-574E-B8F7-437541D6A792}" destId="{BC3E435D-7CC7-5449-855F-F0EDEDF83078}" srcOrd="0" destOrd="0" presId="urn:microsoft.com/office/officeart/2008/layout/HalfCircleOrganizationChart"/>
-    <dgm:cxn modelId="{738CFC48-337D-8647-9478-749A3225D7D7}" srcId="{5E205D7E-3BBF-E544-A965-618294611F95}" destId="{064CE57B-2C23-804A-AF3D-D36E4B90B4C3}" srcOrd="3" destOrd="0" parTransId="{AA7A049A-345E-C744-B6DC-0888DB772F35}" sibTransId="{AC0B85BC-B0B7-D048-B2BA-E53E93792047}"/>
-    <dgm:cxn modelId="{6819A25B-C5E5-B548-ABB1-4C43AEEF8217}" srcId="{24E96427-FB9E-E145-9074-24CE95D41A74}" destId="{5E205D7E-3BBF-E544-A965-618294611F95}" srcOrd="0" destOrd="0" parTransId="{DC47578D-60FE-5D4E-A7CB-8D4C02276526}" sibTransId="{DF4047AF-3E9A-4E45-80CB-A533C2865397}"/>
-    <dgm:cxn modelId="{3A77E05F-AB7A-3144-BCFD-C16CEF7D17D8}" srcId="{5E205D7E-3BBF-E544-A965-618294611F95}" destId="{16017282-3AC7-574E-B8F7-437541D6A792}" srcOrd="2" destOrd="0" parTransId="{2F53A147-6BDF-3743-A9F4-810DE07A0D8D}" sibTransId="{27D9C0B6-083C-B349-877A-71E9F090BDE8}"/>
-    <dgm:cxn modelId="{AD3E4119-AE42-684E-A31F-001FDB87B891}" type="presOf" srcId="{24E96427-FB9E-E145-9074-24CE95D41A74}" destId="{42AB0DD9-9412-794E-8289-CA664DEDE33B}" srcOrd="0" destOrd="0" presId="urn:microsoft.com/office/officeart/2008/layout/HalfCircleOrganizationChart"/>
-    <dgm:cxn modelId="{0593A9FE-777C-E547-B1D3-5B32EE26868B}" type="presOf" srcId="{037C19A2-B8A8-3547-AC06-F08D118A7EF7}" destId="{7C13A4E7-ED00-0440-A3C4-F304B22C171E}" srcOrd="1" destOrd="0" presId="urn:microsoft.com/office/officeart/2008/layout/HalfCircleOrganizationChart"/>
-    <dgm:cxn modelId="{39CA842A-41FD-E440-991B-CD9596A1A215}" srcId="{5E205D7E-3BBF-E544-A965-618294611F95}" destId="{BD7E534F-5B4C-3647-8526-FE087298608C}" srcOrd="1" destOrd="0" parTransId="{7C76F18B-630B-724A-A9C9-DD4CD3797B7C}" sibTransId="{F1CE8154-EB53-C144-9543-8035FD2DA526}"/>
-    <dgm:cxn modelId="{33CAA52F-6432-B74E-8CC1-A31FBA77984F}" srcId="{5E205D7E-3BBF-E544-A965-618294611F95}" destId="{037C19A2-B8A8-3547-AC06-F08D118A7EF7}" srcOrd="0" destOrd="0" parTransId="{FC501FD7-BD25-1A4F-AA47-87D9B3DC79DA}" sibTransId="{EB99F8F5-9756-9046-BCC0-540CA66A3383}"/>
-    <dgm:cxn modelId="{669907CD-393E-4540-95AF-1E85460E9FFF}" type="presOf" srcId="{AA7A049A-345E-C744-B6DC-0888DB772F35}" destId="{6973D813-4ED8-B44F-9398-85FEF5CAE088}" srcOrd="0" destOrd="0" presId="urn:microsoft.com/office/officeart/2008/layout/HalfCircleOrganizationChart"/>
-    <dgm:cxn modelId="{E3287F52-4E2B-CF47-A5C3-B1694854B5F7}" type="presOf" srcId="{2F53A147-6BDF-3743-A9F4-810DE07A0D8D}" destId="{5CFF6D4A-97C4-364F-845D-414053E41ED8}" srcOrd="0" destOrd="0" presId="urn:microsoft.com/office/officeart/2008/layout/HalfCircleOrganizationChart"/>
     <dgm:cxn modelId="{847321A4-2CB1-5940-90CD-BFEE0B2DAB8E}" type="presOf" srcId="{16017282-3AC7-574E-B8F7-437541D6A792}" destId="{CC2FD34D-8ABD-324D-8E00-EC7BA7B58555}" srcOrd="1" destOrd="0" presId="urn:microsoft.com/office/officeart/2008/layout/HalfCircleOrganizationChart"/>
     <dgm:cxn modelId="{CEE4ABD8-D2AD-914F-A8AE-6BDA2011F943}" type="presParOf" srcId="{42AB0DD9-9412-794E-8289-CA664DEDE33B}" destId="{CED9A5A6-E4AE-2643-984B-B0CE5EE4A9B0}" srcOrd="0" destOrd="0" presId="urn:microsoft.com/office/officeart/2008/layout/HalfCircleOrganizationChart"/>
     <dgm:cxn modelId="{56359D40-7FAC-4E4B-9E65-4D99138DAC9B}" type="presParOf" srcId="{CED9A5A6-E4AE-2643-984B-B0CE5EE4A9B0}" destId="{15CF0748-79BA-A740-AA97-E515A0DDBCE2}" srcOrd="0" destOrd="0" presId="urn:microsoft.com/office/officeart/2008/layout/HalfCircleOrganizationChart"/>
@@ -23829,9 +23906,103 @@
           <a:p>
             <a:r>
               <a:rPr lang="fr-FR" dirty="0" smtClean="0"/>
-              <a:t>Un jeu pour toute la famille</a:t>
+              <a:t>Projet GL – Groupe E - IRC 13/16</a:t>
             </a:r>
             <a:endParaRPr lang="fr-FR" dirty="0"/>
+          </a:p>
+        </p:txBody>
+      </p:sp>
+      <p:sp>
+        <p:nvSpPr>
+          <p:cNvPr id="4" name="ZoneTexte 3"/>
+          <p:cNvSpPr txBox="1"/>
+          <p:nvPr/>
+        </p:nvSpPr>
+        <p:spPr>
+          <a:xfrm>
+            <a:off x="3553446" y="6426404"/>
+            <a:ext cx="5429933" cy="276999"/>
+          </a:xfrm>
+          <a:prstGeom prst="rect">
+            <a:avLst/>
+          </a:prstGeom>
+          <a:noFill/>
+        </p:spPr>
+        <p:txBody>
+          <a:bodyPr wrap="square" rtlCol="0">
+            <a:spAutoFit/>
+          </a:bodyPr>
+          <a:lstStyle/>
+          <a:p>
+            <a:r>
+              <a:rPr lang="fr-FR" sz="1200" dirty="0" smtClean="0">
+                <a:solidFill>
+                  <a:schemeClr val="bg1"/>
+                </a:solidFill>
+              </a:rPr>
+              <a:t>Aurélia Crépin, Ga</a:t>
+            </a:r>
+            <a:r>
+              <a:rPr lang="fr-FR" sz="1200" dirty="0" smtClean="0">
+                <a:solidFill>
+                  <a:schemeClr val="bg1"/>
+                </a:solidFill>
+              </a:rPr>
+              <a:t>ël </a:t>
+            </a:r>
+            <a:r>
+              <a:rPr lang="fr-FR" sz="1200" dirty="0" err="1" smtClean="0">
+                <a:solidFill>
+                  <a:schemeClr val="bg1"/>
+                </a:solidFill>
+              </a:rPr>
+              <a:t>Levrat</a:t>
+            </a:r>
+            <a:r>
+              <a:rPr lang="fr-FR" sz="1200" dirty="0" smtClean="0">
+                <a:solidFill>
+                  <a:schemeClr val="bg1"/>
+                </a:solidFill>
+              </a:rPr>
+              <a:t>, Paul </a:t>
+            </a:r>
+            <a:r>
+              <a:rPr lang="fr-FR" sz="1200" dirty="0" err="1" smtClean="0">
+                <a:solidFill>
+                  <a:schemeClr val="bg1"/>
+                </a:solidFill>
+              </a:rPr>
+              <a:t>Ribierre</a:t>
+            </a:r>
+            <a:r>
+              <a:rPr lang="fr-FR" sz="1200" dirty="0" smtClean="0">
+                <a:solidFill>
+                  <a:schemeClr val="bg1"/>
+                </a:solidFill>
+              </a:rPr>
+              <a:t>, Nicolas </a:t>
+            </a:r>
+            <a:r>
+              <a:rPr lang="fr-FR" sz="1200" dirty="0" err="1" smtClean="0">
+                <a:solidFill>
+                  <a:schemeClr val="bg1"/>
+                </a:solidFill>
+              </a:rPr>
+              <a:t>Sagon</a:t>
+            </a:r>
+            <a:r>
+              <a:rPr lang="fr-FR" sz="1200" dirty="0" smtClean="0">
+                <a:solidFill>
+                  <a:schemeClr val="bg1"/>
+                </a:solidFill>
+              </a:rPr>
+              <a:t>, Arthur Veys</a:t>
+            </a:r>
+            <a:endParaRPr lang="fr-FR" sz="1200" dirty="0">
+              <a:solidFill>
+                <a:schemeClr val="bg1"/>
+              </a:solidFill>
+            </a:endParaRPr>
           </a:p>
         </p:txBody>
       </p:sp>
@@ -24155,8 +24326,8 @@
               <a:t>Architecture du </a:t>
             </a:r>
             <a:r>
-              <a:rPr lang="fr-FR" dirty="0" err="1" smtClean="0"/>
-              <a:t>logicel</a:t>
+              <a:rPr lang="fr-FR" dirty="0" smtClean="0"/>
+              <a:t>logiciel</a:t>
             </a:r>
             <a:endParaRPr lang="fr-FR" dirty="0"/>
           </a:p>
@@ -24250,8 +24421,13 @@
             </a:r>
             <a:r>
               <a:rPr lang="fr-FR" dirty="0" smtClean="0"/>
-              <a:t> implémenté</a:t>
+              <a:t> </a:t>
             </a:r>
+            <a:r>
+              <a:rPr lang="fr-FR" dirty="0" smtClean="0"/>
+              <a:t>implémentés</a:t>
+            </a:r>
+            <a:endParaRPr lang="fr-FR" dirty="0" smtClean="0"/>
           </a:p>
         </p:txBody>
       </p:sp>
@@ -24937,8 +25113,17 @@
             <a:pPr lvl="1"/>
             <a:r>
               <a:rPr lang="fr-FR" dirty="0" smtClean="0"/>
-              <a:t>Problème sur le délai d’acquisition des compétences</a:t>
+              <a:t>Problème sur le délai d’acquisition des </a:t>
             </a:r>
+            <a:r>
+              <a:rPr lang="fr-FR" dirty="0" smtClean="0"/>
+              <a:t>compétences sur le </a:t>
+            </a:r>
+            <a:r>
+              <a:rPr lang="fr-FR" dirty="0" err="1" smtClean="0"/>
+              <a:t>framework</a:t>
+            </a:r>
+            <a:endParaRPr lang="fr-FR" dirty="0" smtClean="0"/>
           </a:p>
           <a:p>
             <a:pPr lvl="1"/>
@@ -24949,6 +25134,11 @@
               <a:rPr lang="fr-FR" dirty="0" smtClean="0"/>
               <a:t>Réalisation : Swing </a:t>
             </a:r>
+            <a:r>
+              <a:rPr lang="fr-FR" dirty="0" smtClean="0"/>
+              <a:t>(Java natif)</a:t>
+            </a:r>
+            <a:endParaRPr lang="fr-FR" dirty="0" smtClean="0"/>
           </a:p>
           <a:p>
             <a:pPr marL="0" indent="0">
@@ -25343,27 +25533,52 @@
           <a:p>
             <a:r>
               <a:rPr lang="fr-FR" dirty="0" smtClean="0"/>
-              <a:t>Il manque 3 fonctionnalités au produit :</a:t>
+              <a:t>Il manque </a:t>
+            </a:r>
+            <a:r>
+              <a:rPr lang="fr-FR" dirty="0" smtClean="0"/>
+              <a:t>quelques </a:t>
+            </a:r>
+            <a:r>
+              <a:rPr lang="fr-FR" dirty="0" smtClean="0"/>
+              <a:t>fonctionnalités au produit :</a:t>
             </a:r>
           </a:p>
           <a:p>
             <a:pPr lvl="1"/>
             <a:r>
               <a:rPr lang="fr-FR" dirty="0" smtClean="0"/>
-              <a:t>Attaque des repaires, Pillage, Conditions de victoire</a:t>
+              <a:t>Environ </a:t>
             </a:r>
-          </a:p>
-          <a:p>
-            <a:pPr lvl="1"/>
             <a:r>
               <a:rPr lang="fr-FR" dirty="0" smtClean="0"/>
-              <a:t>Environ 5 jours homme pour la réalisation de ces fonctionnalités</a:t>
+              <a:t>5 jours homme pour la </a:t>
             </a:r>
-          </a:p>
-          <a:p>
             <a:r>
               <a:rPr lang="fr-FR" dirty="0" smtClean="0"/>
-              <a:t>L’interface graphique est vraiment à améliorer (UI et UX)</a:t>
+              <a:t>finalisation</a:t>
+            </a:r>
+            <a:r>
+              <a:rPr lang="fr-FR" dirty="0" smtClean="0"/>
+              <a:t> </a:t>
+            </a:r>
+            <a:r>
+              <a:rPr lang="fr-FR" dirty="0" smtClean="0"/>
+              <a:t>de ces fonctionnalités</a:t>
+            </a:r>
+          </a:p>
+          <a:p>
+            <a:r>
+              <a:rPr lang="fr-FR" dirty="0" smtClean="0"/>
+              <a:t>L’interface graphique est </a:t>
+            </a:r>
+            <a:r>
+              <a:rPr lang="fr-FR" dirty="0" smtClean="0"/>
+              <a:t>à </a:t>
+            </a:r>
+            <a:r>
+              <a:rPr lang="fr-FR" dirty="0" smtClean="0"/>
+              <a:t>améliorer (UI et UX)</a:t>
             </a:r>
           </a:p>
           <a:p>
@@ -25450,7 +25665,7 @@
         <p:spPr/>
         <p:txBody>
           <a:bodyPr>
-            <a:normAutofit fontScale="55000" lnSpcReduction="20000"/>
+            <a:normAutofit fontScale="40000" lnSpcReduction="20000"/>
           </a:bodyPr>
           <a:lstStyle/>
           <a:p>
@@ -25536,9 +25751,21 @@
             </a:r>
           </a:p>
           <a:p>
-            <a:pPr marL="288925" lvl="1" indent="0">
-              <a:buNone/>
+            <a:pPr marL="746125" lvl="1" indent="-457200">
+              <a:buFont typeface="+mj-lt"/>
+              <a:buAutoNum type="arabicPeriod"/>
             </a:pPr>
+            <a:endParaRPr lang="fr-FR" sz="2400" dirty="0" smtClean="0"/>
+          </a:p>
+          <a:p>
+            <a:pPr marL="457200" indent="-457200">
+              <a:buFont typeface="+mj-lt"/>
+              <a:buAutoNum type="arabicPeriod"/>
+            </a:pPr>
+            <a:r>
+              <a:rPr lang="fr-FR" dirty="0" smtClean="0"/>
+              <a:t>Avantages et limites</a:t>
+            </a:r>
             <a:endParaRPr lang="fr-FR" sz="2400" dirty="0"/>
           </a:p>
           <a:p>
@@ -25752,6 +25979,10 @@
           <a:bodyPr/>
           <a:lstStyle/>
           <a:p>
+            <a:r>
+              <a:rPr lang="fr-FR" dirty="0" smtClean="0"/>
+              <a:t>Des question ?</a:t>
+            </a:r>
             <a:endParaRPr lang="fr-FR" dirty="0"/>
           </a:p>
         </p:txBody>
@@ -26353,7 +26584,7 @@
             </a:r>
             <a:r>
               <a:rPr lang="fr-FR" dirty="0" err="1" smtClean="0"/>
-              <a:t>mardown</a:t>
+              <a:t>markdown</a:t>
             </a:r>
             <a:endParaRPr lang="fr-FR" dirty="0" smtClean="0"/>
           </a:p>
@@ -26496,11 +26727,15 @@
             </a:r>
             <a:r>
               <a:rPr lang="fr-FR" dirty="0" err="1" smtClean="0"/>
-              <a:t>travisCI</a:t>
+              <a:t>TravisCI</a:t>
             </a:r>
             <a:r>
               <a:rPr lang="fr-FR" dirty="0" smtClean="0"/>
-              <a:t> intégré à </a:t>
+              <a:t> </a:t>
+            </a:r>
+            <a:r>
+              <a:rPr lang="fr-FR" dirty="0" smtClean="0"/>
+              <a:t>intégré à </a:t>
             </a:r>
             <a:r>
               <a:rPr lang="fr-FR" dirty="0" err="1" smtClean="0"/>
@@ -26527,7 +26762,15 @@
             <a:pPr lvl="1"/>
             <a:r>
               <a:rPr lang="fr-FR" dirty="0" smtClean="0"/>
-              <a:t>Compilation et exécution des tests à chaque commit</a:t>
+              <a:t>Compilation et exécution des </a:t>
+            </a:r>
+            <a:r>
+              <a:rPr lang="fr-FR" dirty="0" smtClean="0"/>
+              <a:t>tests unitaires </a:t>
+            </a:r>
+            <a:r>
+              <a:rPr lang="fr-FR" dirty="0" smtClean="0"/>
+              <a:t>à chaque commit</a:t>
             </a:r>
           </a:p>
           <a:p>
@@ -26850,19 +27093,28 @@
             </a:r>
             <a:r>
               <a:rPr lang="fr-FR" dirty="0" err="1" smtClean="0"/>
-              <a:t>Junit</a:t>
+              <a:t>JUnit</a:t>
             </a:r>
             <a:r>
               <a:rPr lang="fr-FR" dirty="0" smtClean="0"/>
-              <a:t> 4</a:t>
+              <a:t> </a:t>
+            </a:r>
+            <a:r>
+              <a:rPr lang="fr-FR" dirty="0" smtClean="0"/>
+              <a:t>4</a:t>
             </a:r>
           </a:p>
           <a:p>
             <a:pPr lvl="1"/>
             <a:r>
               <a:rPr lang="fr-FR" dirty="0" smtClean="0"/>
-              <a:t>Confections de tests simples pour des fonctions</a:t>
+              <a:t>Confections de tests simples pour des </a:t>
             </a:r>
+            <a:r>
+              <a:rPr lang="fr-FR" dirty="0" smtClean="0"/>
+              <a:t>fonctions critiques (calcul des hexagones voisins, …)</a:t>
+            </a:r>
+            <a:endParaRPr lang="fr-FR" dirty="0" smtClean="0"/>
           </a:p>
         </p:txBody>
       </p:sp>
